--- a/PresentatieAniME_EilishVanDerSnickt_ThomasWyns.pptx
+++ b/PresentatieAniME_EilishVanDerSnickt_ThomasWyns.pptx
@@ -12,7 +12,8 @@
     <p:sldId id="265" r:id="rId6"/>
     <p:sldId id="266" r:id="rId7"/>
     <p:sldId id="257" r:id="rId8"/>
-    <p:sldId id="267" r:id="rId9"/>
+    <p:sldId id="268" r:id="rId9"/>
+    <p:sldId id="267" r:id="rId10"/>
   </p:sldIdLst>
   <p:sldSz cx="12192000" cy="6858000"/>
   <p:notesSz cx="6858000" cy="9144000"/>
@@ -9508,6 +9509,139 @@
           <p:cNvPr id="2" name="Titel 1">
             <a:extLst>
               <a:ext uri="{FF2B5EF4-FFF2-40B4-BE49-F238E27FC236}">
+                <a16:creationId xmlns:a16="http://schemas.microsoft.com/office/drawing/2014/main" id="{0800DCA1-9C9F-4C29-830C-E18141A48A23}"/>
+              </a:ext>
+            </a:extLst>
+          </p:cNvPr>
+          <p:cNvSpPr>
+            <a:spLocks noGrp="1"/>
+          </p:cNvSpPr>
+          <p:nvPr>
+            <p:ph type="title"/>
+          </p:nvPr>
+        </p:nvSpPr>
+        <p:spPr/>
+        <p:txBody>
+          <a:bodyPr/>
+          <a:lstStyle/>
+          <a:p>
+            <a:r>
+              <a:rPr lang="nl-BE" dirty="0"/>
+              <a:t>PWA </a:t>
+            </a:r>
+            <a:r>
+              <a:rPr lang="nl-BE" dirty="0" err="1"/>
+              <a:t>Optimized</a:t>
+            </a:r>
+            <a:endParaRPr lang="nl-BE" dirty="0"/>
+          </a:p>
+        </p:txBody>
+      </p:sp>
+      <p:pic>
+        <p:nvPicPr>
+          <p:cNvPr id="7" name="Tijdelijke aanduiding voor inhoud 6" descr="Afbeelding met schermafbeelding, foto, verschillend, computer&#10;&#10;Automatisch gegenereerde beschrijving">
+            <a:extLst>
+              <a:ext uri="{FF2B5EF4-FFF2-40B4-BE49-F238E27FC236}">
+                <a16:creationId xmlns:a16="http://schemas.microsoft.com/office/drawing/2014/main" id="{33361482-B872-48A0-A511-BB90FB727A6A}"/>
+              </a:ext>
+            </a:extLst>
+          </p:cNvPr>
+          <p:cNvPicPr>
+            <a:picLocks noGrp="1" noChangeAspect="1"/>
+          </p:cNvPicPr>
+          <p:nvPr>
+            <p:ph idx="1"/>
+          </p:nvPr>
+        </p:nvPicPr>
+        <p:blipFill rotWithShape="1">
+          <a:blip r:embed="rId2">
+            <a:extLst>
+              <a:ext uri="{28A0092B-C50C-407E-A947-70E740481C1C}">
+                <a14:useLocalDpi xmlns:a14="http://schemas.microsoft.com/office/drawing/2010/main" val="0"/>
+              </a:ext>
+            </a:extLst>
+          </a:blip>
+          <a:srcRect l="17805" t="9104" b="36127"/>
+          <a:stretch/>
+        </p:blipFill>
+        <p:spPr>
+          <a:xfrm>
+            <a:off x="554524" y="2407089"/>
+            <a:ext cx="9865454" cy="3697683"/>
+          </a:xfrm>
+        </p:spPr>
+      </p:pic>
+      <p:pic>
+        <p:nvPicPr>
+          <p:cNvPr id="5" name="Afbeelding 4">
+            <a:extLst>
+              <a:ext uri="{FF2B5EF4-FFF2-40B4-BE49-F238E27FC236}">
+                <a16:creationId xmlns:a16="http://schemas.microsoft.com/office/drawing/2014/main" id="{56F92C3C-3A34-461D-946D-588AD53E0807}"/>
+              </a:ext>
+            </a:extLst>
+          </p:cNvPr>
+          <p:cNvPicPr>
+            <a:picLocks noChangeAspect="1"/>
+          </p:cNvPicPr>
+          <p:nvPr/>
+        </p:nvPicPr>
+        <p:blipFill>
+          <a:blip r:embed="rId3">
+            <a:extLst>
+              <a:ext uri="{28A0092B-C50C-407E-A947-70E740481C1C}">
+                <a14:useLocalDpi xmlns:a14="http://schemas.microsoft.com/office/drawing/2010/main" val="0"/>
+              </a:ext>
+            </a:extLst>
+          </a:blip>
+          <a:stretch>
+            <a:fillRect/>
+          </a:stretch>
+        </p:blipFill>
+        <p:spPr>
+          <a:xfrm>
+            <a:off x="10391686" y="910281"/>
+            <a:ext cx="2105610" cy="766832"/>
+          </a:xfrm>
+          <a:prstGeom prst="rect">
+            <a:avLst/>
+          </a:prstGeom>
+        </p:spPr>
+      </p:pic>
+    </p:spTree>
+    <p:extLst>
+      <p:ext uri="{BB962C8B-B14F-4D97-AF65-F5344CB8AC3E}">
+        <p14:creationId xmlns:p14="http://schemas.microsoft.com/office/powerpoint/2010/main" val="3751764136"/>
+      </p:ext>
+    </p:extLst>
+  </p:cSld>
+  <p:clrMapOvr>
+    <a:masterClrMapping/>
+  </p:clrMapOvr>
+</p:sld>
+</file>
+
+<file path=ppt/slides/slide9.xml><?xml version="1.0" encoding="utf-8"?>
+<p:sld xmlns:a="http://schemas.openxmlformats.org/drawingml/2006/main" xmlns:r="http://schemas.openxmlformats.org/officeDocument/2006/relationships" xmlns:p="http://schemas.openxmlformats.org/presentationml/2006/main">
+  <p:cSld>
+    <p:spTree>
+      <p:nvGrpSpPr>
+        <p:cNvPr id="1" name=""/>
+        <p:cNvGrpSpPr/>
+        <p:nvPr/>
+      </p:nvGrpSpPr>
+      <p:grpSpPr>
+        <a:xfrm>
+          <a:off x="0" y="0"/>
+          <a:ext cx="0" cy="0"/>
+          <a:chOff x="0" y="0"/>
+          <a:chExt cx="0" cy="0"/>
+        </a:xfrm>
+      </p:grpSpPr>
+      <p:sp>
+        <p:nvSpPr>
+          <p:cNvPr id="2" name="Titel 1">
+            <a:extLst>
+              <a:ext uri="{FF2B5EF4-FFF2-40B4-BE49-F238E27FC236}">
                 <a16:creationId xmlns:a16="http://schemas.microsoft.com/office/drawing/2014/main" id="{21DDCC0C-CF13-4DE0-9F8B-CCC81F896934}"/>
               </a:ext>
             </a:extLst>

--- a/PresentatieAniME_EilishVanDerSnickt_ThomasWyns.pptx
+++ b/PresentatieAniME_EilishVanDerSnickt_ThomasWyns.pptx
@@ -7922,7 +7922,7 @@
                   <a:schemeClr val="bg1"/>
                 </a:solidFill>
               </a:rPr>
-              <a:t>Thomas Wyns - R</a:t>
+              <a:t>Thomas Wyns – R0704663</a:t>
             </a:r>
           </a:p>
         </p:txBody>
@@ -8433,7 +8433,7 @@
                   <a:schemeClr val="bg1"/>
                 </a:solidFill>
               </a:rPr>
-              <a:t>…</a:t>
+              <a:t>Start datum</a:t>
             </a:r>
           </a:p>
         </p:txBody>

--- a/PresentatieAniME_EilishVanDerSnickt_ThomasWyns.pptx
+++ b/PresentatieAniME_EilishVanDerSnickt_ThomasWyns.pptx
@@ -10,10 +10,9 @@
     <p:sldId id="263" r:id="rId4"/>
     <p:sldId id="264" r:id="rId5"/>
     <p:sldId id="265" r:id="rId6"/>
-    <p:sldId id="266" r:id="rId7"/>
-    <p:sldId id="257" r:id="rId8"/>
-    <p:sldId id="268" r:id="rId9"/>
-    <p:sldId id="267" r:id="rId10"/>
+    <p:sldId id="257" r:id="rId7"/>
+    <p:sldId id="268" r:id="rId8"/>
+    <p:sldId id="267" r:id="rId9"/>
   </p:sldIdLst>
   <p:sldSz cx="12192000" cy="6858000"/>
   <p:notesSz cx="6858000" cy="9144000"/>
@@ -9036,142 +9035,6 @@
           <p:cNvPr id="2" name="Titel 1">
             <a:extLst>
               <a:ext uri="{FF2B5EF4-FFF2-40B4-BE49-F238E27FC236}">
-                <a16:creationId xmlns:a16="http://schemas.microsoft.com/office/drawing/2014/main" id="{4138FE74-759A-447E-AA97-97D5D5CCBA3C}"/>
-              </a:ext>
-            </a:extLst>
-          </p:cNvPr>
-          <p:cNvSpPr>
-            <a:spLocks noGrp="1"/>
-          </p:cNvSpPr>
-          <p:nvPr>
-            <p:ph type="title"/>
-          </p:nvPr>
-        </p:nvSpPr>
-        <p:spPr/>
-        <p:txBody>
-          <a:bodyPr/>
-          <a:lstStyle/>
-          <a:p>
-            <a:r>
-              <a:rPr lang="nl-BE" dirty="0"/>
-              <a:t>Applicatie flow</a:t>
-            </a:r>
-          </a:p>
-        </p:txBody>
-      </p:sp>
-      <p:pic>
-        <p:nvPicPr>
-          <p:cNvPr id="4" name="Tijdelijke aanduiding voor inhoud 3">
-            <a:extLst>
-              <a:ext uri="{FF2B5EF4-FFF2-40B4-BE49-F238E27FC236}">
-                <a16:creationId xmlns:a16="http://schemas.microsoft.com/office/drawing/2014/main" id="{F573ADDC-794D-4FAF-B825-B5687749C79E}"/>
-              </a:ext>
-            </a:extLst>
-          </p:cNvPr>
-          <p:cNvPicPr>
-            <a:picLocks noGrp="1" noChangeAspect="1"/>
-          </p:cNvPicPr>
-          <p:nvPr>
-            <p:ph idx="1"/>
-          </p:nvPr>
-        </p:nvPicPr>
-        <p:blipFill>
-          <a:blip r:embed="rId2"/>
-          <a:stretch>
-            <a:fillRect/>
-          </a:stretch>
-        </p:blipFill>
-        <p:spPr>
-          <a:xfrm>
-            <a:off x="3568438" y="2340981"/>
-            <a:ext cx="3839100" cy="3590500"/>
-          </a:xfrm>
-          <a:prstGeom prst="rect">
-            <a:avLst/>
-          </a:prstGeom>
-          <a:ln>
-            <a:noFill/>
-          </a:ln>
-          <a:effectLst>
-            <a:outerShdw blurRad="292100" dist="139700" dir="2700000" algn="tl" rotWithShape="0">
-              <a:srgbClr val="333333">
-                <a:alpha val="65000"/>
-              </a:srgbClr>
-            </a:outerShdw>
-          </a:effectLst>
-        </p:spPr>
-      </p:pic>
-      <p:pic>
-        <p:nvPicPr>
-          <p:cNvPr id="6" name="Afbeelding 5">
-            <a:extLst>
-              <a:ext uri="{FF2B5EF4-FFF2-40B4-BE49-F238E27FC236}">
-                <a16:creationId xmlns:a16="http://schemas.microsoft.com/office/drawing/2014/main" id="{29FA9503-8D05-48C4-AF91-360A73FE3A26}"/>
-              </a:ext>
-            </a:extLst>
-          </p:cNvPr>
-          <p:cNvPicPr>
-            <a:picLocks noChangeAspect="1"/>
-          </p:cNvPicPr>
-          <p:nvPr/>
-        </p:nvPicPr>
-        <p:blipFill>
-          <a:blip r:embed="rId3">
-            <a:extLst>
-              <a:ext uri="{28A0092B-C50C-407E-A947-70E740481C1C}">
-                <a14:useLocalDpi xmlns:a14="http://schemas.microsoft.com/office/drawing/2010/main" val="0"/>
-              </a:ext>
-            </a:extLst>
-          </a:blip>
-          <a:stretch>
-            <a:fillRect/>
-          </a:stretch>
-        </p:blipFill>
-        <p:spPr>
-          <a:xfrm>
-            <a:off x="10391686" y="910281"/>
-            <a:ext cx="2105610" cy="766832"/>
-          </a:xfrm>
-          <a:prstGeom prst="rect">
-            <a:avLst/>
-          </a:prstGeom>
-        </p:spPr>
-      </p:pic>
-    </p:spTree>
-    <p:extLst>
-      <p:ext uri="{BB962C8B-B14F-4D97-AF65-F5344CB8AC3E}">
-        <p14:creationId xmlns:p14="http://schemas.microsoft.com/office/powerpoint/2010/main" val="1281190769"/>
-      </p:ext>
-    </p:extLst>
-  </p:cSld>
-  <p:clrMapOvr>
-    <a:masterClrMapping/>
-  </p:clrMapOvr>
-</p:sld>
-</file>
-
-<file path=ppt/slides/slide7.xml><?xml version="1.0" encoding="utf-8"?>
-<p:sld xmlns:a="http://schemas.openxmlformats.org/drawingml/2006/main" xmlns:r="http://schemas.openxmlformats.org/officeDocument/2006/relationships" xmlns:p="http://schemas.openxmlformats.org/presentationml/2006/main">
-  <p:cSld>
-    <p:spTree>
-      <p:nvGrpSpPr>
-        <p:cNvPr id="1" name=""/>
-        <p:cNvGrpSpPr/>
-        <p:nvPr/>
-      </p:nvGrpSpPr>
-      <p:grpSpPr>
-        <a:xfrm>
-          <a:off x="0" y="0"/>
-          <a:ext cx="0" cy="0"/>
-          <a:chOff x="0" y="0"/>
-          <a:chExt cx="0" cy="0"/>
-        </a:xfrm>
-      </p:grpSpPr>
-      <p:sp>
-        <p:nvSpPr>
-          <p:cNvPr id="2" name="Titel 1">
-            <a:extLst>
-              <a:ext uri="{FF2B5EF4-FFF2-40B4-BE49-F238E27FC236}">
                 <a16:creationId xmlns:a16="http://schemas.microsoft.com/office/drawing/2014/main" id="{0800DCA1-9C9F-4C29-830C-E18141A48A23}"/>
               </a:ext>
             </a:extLst>
@@ -9487,7 +9350,7 @@
 </p:sld>
 </file>
 
-<file path=ppt/slides/slide8.xml><?xml version="1.0" encoding="utf-8"?>
+<file path=ppt/slides/slide7.xml><?xml version="1.0" encoding="utf-8"?>
 <p:sld xmlns:a="http://schemas.openxmlformats.org/drawingml/2006/main" xmlns:r="http://schemas.openxmlformats.org/officeDocument/2006/relationships" xmlns:p="http://schemas.openxmlformats.org/presentationml/2006/main">
   <p:cSld>
     <p:spTree>
@@ -9620,7 +9483,7 @@
 </p:sld>
 </file>
 
-<file path=ppt/slides/slide9.xml><?xml version="1.0" encoding="utf-8"?>
+<file path=ppt/slides/slide8.xml><?xml version="1.0" encoding="utf-8"?>
 <p:sld xmlns:a="http://schemas.openxmlformats.org/drawingml/2006/main" xmlns:r="http://schemas.openxmlformats.org/officeDocument/2006/relationships" xmlns:p="http://schemas.openxmlformats.org/presentationml/2006/main">
   <p:cSld>
     <p:spTree>
